--- a/tuesday/preliminary_design_report.pptx
+++ b/tuesday/preliminary_design_report.pptx
@@ -203,7 +203,7 @@
           <a:p>
             <a:fld id="{F957D08C-12C4-471F-817E-F5FC90950A2A}" type="datetimeFigureOut">
               <a:rPr lang="en-US" smtClean="0"/>
-              <a:t>2/15/22</a:t>
+              <a:t>2/16/2022</a:t>
             </a:fld>
             <a:endParaRPr lang="en-US"/>
           </a:p>
@@ -1294,7 +1294,7 @@
           <a:p>
             <a:fld id="{28262F63-4C64-4187-9F81-27D8466A07F5}" type="datetime1">
               <a:rPr lang="en-US" smtClean="0"/>
-              <a:t>2/15/22</a:t>
+              <a:t>2/16/2022</a:t>
             </a:fld>
             <a:endParaRPr lang="en-US"/>
           </a:p>
@@ -1492,7 +1492,7 @@
           <a:p>
             <a:fld id="{CBF93EA0-F8F2-4F4E-B5CD-5607802314F1}" type="datetime1">
               <a:rPr lang="en-US" smtClean="0"/>
-              <a:t>2/15/22</a:t>
+              <a:t>2/16/2022</a:t>
             </a:fld>
             <a:endParaRPr lang="en-US"/>
           </a:p>
@@ -1700,7 +1700,7 @@
           <a:p>
             <a:fld id="{45150398-3458-4600-A576-952B1583B25F}" type="datetime1">
               <a:rPr lang="en-US" smtClean="0"/>
-              <a:t>2/15/22</a:t>
+              <a:t>2/16/2022</a:t>
             </a:fld>
             <a:endParaRPr lang="en-US"/>
           </a:p>
@@ -1898,7 +1898,7 @@
           <a:p>
             <a:fld id="{7036D99B-1D84-4FD7-B07A-15C5DB513DE2}" type="datetime1">
               <a:rPr lang="en-US" smtClean="0"/>
-              <a:t>2/15/22</a:t>
+              <a:t>2/16/2022</a:t>
             </a:fld>
             <a:endParaRPr lang="en-US"/>
           </a:p>
@@ -2173,7 +2173,7 @@
           <a:p>
             <a:fld id="{B54A5030-ECF8-4864-A383-44EDDF0CE566}" type="datetime1">
               <a:rPr lang="en-US" smtClean="0"/>
-              <a:t>2/15/22</a:t>
+              <a:t>2/16/2022</a:t>
             </a:fld>
             <a:endParaRPr lang="en-US"/>
           </a:p>
@@ -2438,7 +2438,7 @@
           <a:p>
             <a:fld id="{7E418523-1E44-4568-93CA-E60F3A02AB22}" type="datetime1">
               <a:rPr lang="en-US" smtClean="0"/>
-              <a:t>2/15/22</a:t>
+              <a:t>2/16/2022</a:t>
             </a:fld>
             <a:endParaRPr lang="en-US"/>
           </a:p>
@@ -2850,7 +2850,7 @@
           <a:p>
             <a:fld id="{2D33E39F-B9BE-45D4-BA2A-52BDC129B619}" type="datetime1">
               <a:rPr lang="en-US" smtClean="0"/>
-              <a:t>2/15/22</a:t>
+              <a:t>2/16/2022</a:t>
             </a:fld>
             <a:endParaRPr lang="en-US"/>
           </a:p>
@@ -2991,7 +2991,7 @@
           <a:p>
             <a:fld id="{6ECC3E20-FAEB-46EB-A56C-F7443ACF2D26}" type="datetime1">
               <a:rPr lang="en-US" smtClean="0"/>
-              <a:t>2/15/22</a:t>
+              <a:t>2/16/2022</a:t>
             </a:fld>
             <a:endParaRPr lang="en-US"/>
           </a:p>
@@ -3104,7 +3104,7 @@
           <a:p>
             <a:fld id="{A35F36BC-2BAE-4310-90E0-7DAF47F0804C}" type="datetime1">
               <a:rPr lang="en-US" smtClean="0"/>
-              <a:t>2/15/22</a:t>
+              <a:t>2/16/2022</a:t>
             </a:fld>
             <a:endParaRPr lang="en-US"/>
           </a:p>
@@ -3415,7 +3415,7 @@
           <a:p>
             <a:fld id="{14D517A5-05CD-4B93-8F77-7E5C4632D711}" type="datetime1">
               <a:rPr lang="en-US" smtClean="0"/>
-              <a:t>2/15/22</a:t>
+              <a:t>2/16/2022</a:t>
             </a:fld>
             <a:endParaRPr lang="en-US"/>
           </a:p>
@@ -3703,7 +3703,7 @@
           <a:p>
             <a:fld id="{694D14D1-754F-484F-A3E9-25D3CDC1B5D5}" type="datetime1">
               <a:rPr lang="en-US" smtClean="0"/>
-              <a:t>2/15/22</a:t>
+              <a:t>2/16/2022</a:t>
             </a:fld>
             <a:endParaRPr lang="en-US"/>
           </a:p>
@@ -3944,7 +3944,7 @@
           <a:p>
             <a:fld id="{3FA4C92B-44AF-4727-9A6B-D36B7E4645B2}" type="datetime1">
               <a:rPr lang="en-US" smtClean="0"/>
-              <a:t>2/15/22</a:t>
+              <a:t>2/16/2022</a:t>
             </a:fld>
             <a:endParaRPr lang="en-US"/>
           </a:p>
@@ -4552,8 +4552,19 @@
           </a:xfrm>
         </p:spPr>
         <p:txBody>
-          <a:bodyPr/>
-          <a:lstStyle/>
+          <a:bodyPr>
+            <a:normAutofit lnSpcReduction="10000"/>
+          </a:bodyPr>
+          <a:lstStyle/>
+          <a:p>
+            <a:pPr marL="0" indent="0">
+              <a:buNone/>
+            </a:pPr>
+            <a:r>
+              <a:rPr lang="en-US" dirty="0"/>
+              <a:t>Pros</a:t>
+            </a:r>
+          </a:p>
           <a:p>
             <a:r>
               <a:rPr lang="en-US" dirty="0"/>
@@ -4642,8 +4653,19 @@
           </a:xfrm>
         </p:spPr>
         <p:txBody>
-          <a:bodyPr/>
-          <a:lstStyle/>
+          <a:bodyPr>
+            <a:normAutofit lnSpcReduction="10000"/>
+          </a:bodyPr>
+          <a:lstStyle/>
+          <a:p>
+            <a:pPr marL="0" indent="0">
+              <a:buNone/>
+            </a:pPr>
+            <a:r>
+              <a:rPr lang="en-US" dirty="0"/>
+              <a:t>Cons</a:t>
+            </a:r>
+          </a:p>
           <a:p>
             <a:r>
               <a:rPr lang="en-US" dirty="0"/>
@@ -4688,7 +4710,7 @@
           <a:p>
             <a:fld id="{7762C7DC-4AB3-46DC-AD15-619BD237F69A}" type="datetime1">
               <a:rPr lang="en-US" smtClean="0"/>
-              <a:t>2/15/22</a:t>
+              <a:t>2/16/2022</a:t>
             </a:fld>
             <a:endParaRPr lang="en-US"/>
           </a:p>
@@ -5502,7 +5524,7 @@
           <a:p>
             <a:fld id="{7B88FDFB-1457-434F-ACDD-5D0EB1FF037D}" type="datetime1">
               <a:rPr lang="en-US" smtClean="0"/>
-              <a:t>2/15/22</a:t>
+              <a:t>2/16/2022</a:t>
             </a:fld>
             <a:endParaRPr lang="en-US"/>
           </a:p>
@@ -5989,7 +6011,7 @@
           <a:p>
             <a:fld id="{B606DC24-28F9-46B7-B37A-6A28CABF76AB}" type="datetime1">
               <a:rPr lang="en-US" smtClean="0"/>
-              <a:t>2/15/22</a:t>
+              <a:t>2/16/2022</a:t>
             </a:fld>
             <a:endParaRPr lang="en-US"/>
           </a:p>
@@ -6253,7 +6275,7 @@
           <a:p>
             <a:fld id="{1FEF8B1B-E727-4B08-A385-47C0CBC0ABB2}" type="datetime1">
               <a:rPr lang="en-US" smtClean="0"/>
-              <a:t>2/15/22</a:t>
+              <a:t>2/16/2022</a:t>
             </a:fld>
             <a:endParaRPr lang="en-US"/>
           </a:p>
@@ -6449,7 +6471,7 @@
           <a:p>
             <a:fld id="{0AC823FB-7DC3-4F03-9545-1E28C3250400}" type="datetime1">
               <a:rPr lang="en-US" smtClean="0"/>
-              <a:t>2/15/22</a:t>
+              <a:t>2/16/2022</a:t>
             </a:fld>
             <a:endParaRPr lang="en-US"/>
           </a:p>
@@ -6559,8 +6581,8 @@
           </a:prstGeom>
         </p:spPr>
       </p:pic>
-      <mc:AlternateContent xmlns:mc="http://schemas.openxmlformats.org/markup-compatibility/2006">
-        <mc:Choice xmlns:a14="http://schemas.microsoft.com/office/drawing/2010/main" Requires="a14">
+      <mc:AlternateContent xmlns:mc="http://schemas.openxmlformats.org/markup-compatibility/2006" xmlns:a14="http://schemas.microsoft.com/office/drawing/2010/main">
+        <mc:Choice Requires="a14">
           <p:sp>
             <p:nvSpPr>
               <p:cNvPr id="9" name="TextBox 8">
@@ -6600,35 +6622,47 @@
                     <m:sSub>
                       <m:sSubPr>
                         <m:ctrlPr>
-                          <a:rPr lang="en-US" b="1" i="1"/>
+                          <a:rPr lang="en-US" b="1" i="1">
+                            <a:latin typeface="Cambria Math" panose="02040503050406030204" pitchFamily="18" charset="0"/>
+                          </a:rPr>
                         </m:ctrlPr>
                       </m:sSubPr>
                       <m:e>
                         <m:r>
-                          <a:rPr lang="en-US" b="1" i="1"/>
+                          <a:rPr lang="en-US" b="1" i="1">
+                            <a:latin typeface="Cambria Math" panose="02040503050406030204" pitchFamily="18" charset="0"/>
+                          </a:rPr>
                           <m:t>𝑹</m:t>
                         </m:r>
                       </m:e>
                       <m:sub>
                         <m:r>
-                          <a:rPr lang="en-US" b="1" i="1"/>
+                          <a:rPr lang="en-US" b="1" i="1">
+                            <a:latin typeface="Cambria Math" panose="02040503050406030204" pitchFamily="18" charset="0"/>
+                          </a:rPr>
                           <m:t>𝒊</m:t>
                         </m:r>
                       </m:sub>
                     </m:sSub>
                     <m:r>
-                      <a:rPr lang="en-US" b="1" i="1"/>
+                      <a:rPr lang="en-US" b="1" i="1">
+                        <a:latin typeface="Cambria Math" panose="02040503050406030204" pitchFamily="18" charset="0"/>
+                      </a:rPr>
                       <m:t>= </m:t>
                     </m:r>
                     <m:f>
                       <m:fPr>
                         <m:ctrlPr>
-                          <a:rPr lang="en-US" i="1"/>
+                          <a:rPr lang="en-US" i="1">
+                            <a:latin typeface="Cambria Math" panose="02040503050406030204" pitchFamily="18" charset="0"/>
+                          </a:rPr>
                         </m:ctrlPr>
                       </m:fPr>
                       <m:num>
                         <m:r>
-                          <a:rPr lang="en-US"/>
+                          <a:rPr lang="en-US">
+                            <a:latin typeface="Cambria Math" panose="02040503050406030204" pitchFamily="18" charset="0"/>
+                          </a:rPr>
                           <m:t>1</m:t>
                         </m:r>
                       </m:num>
@@ -6636,7 +6670,9 @@
                         <m:sSub>
                           <m:sSubPr>
                             <m:ctrlPr>
-                              <a:rPr lang="en-US" i="1"/>
+                              <a:rPr lang="en-US" i="1">
+                                <a:latin typeface="Cambria Math" panose="02040503050406030204" pitchFamily="18" charset="0"/>
+                              </a:rPr>
                             </m:ctrlPr>
                           </m:sSubPr>
                           <m:e>
@@ -6644,7 +6680,9 @@
                               <m:rPr>
                                 <m:sty m:val="p"/>
                               </m:rPr>
-                              <a:rPr lang="en-US"/>
+                              <a:rPr lang="en-US">
+                                <a:latin typeface="Cambria Math" panose="02040503050406030204" pitchFamily="18" charset="0"/>
+                              </a:rPr>
                               <m:t>h</m:t>
                             </m:r>
                           </m:e>
@@ -6653,20 +6691,26 @@
                               <m:rPr>
                                 <m:sty m:val="p"/>
                               </m:rPr>
-                              <a:rPr lang="en-US"/>
+                              <a:rPr lang="en-US">
+                                <a:latin typeface="Cambria Math" panose="02040503050406030204" pitchFamily="18" charset="0"/>
+                              </a:rPr>
                               <m:t>i</m:t>
                             </m:r>
                           </m:sub>
                         </m:sSub>
                         <m:r>
-                          <a:rPr lang="en-US" i="1"/>
+                          <a:rPr lang="en-US" i="1">
+                            <a:latin typeface="Cambria Math" panose="02040503050406030204" pitchFamily="18" charset="0"/>
+                          </a:rPr>
                           <m:t>∗</m:t>
                         </m:r>
                         <m:r>
                           <m:rPr>
                             <m:sty m:val="p"/>
                           </m:rPr>
-                          <a:rPr lang="en-US"/>
+                          <a:rPr lang="en-US">
+                            <a:latin typeface="Cambria Math" panose="02040503050406030204" pitchFamily="18" charset="0"/>
+                          </a:rPr>
                           <m:t>A</m:t>
                         </m:r>
                       </m:den>
@@ -6682,37 +6726,49 @@
                     <m:sSub>
                       <m:sSubPr>
                         <m:ctrlPr>
-                          <a:rPr lang="en-US" b="1" i="1"/>
+                          <a:rPr lang="en-US" b="1" i="1">
+                            <a:latin typeface="Cambria Math" panose="02040503050406030204" pitchFamily="18" charset="0"/>
+                          </a:rPr>
                         </m:ctrlPr>
                       </m:sSubPr>
                       <m:e>
                         <m:r>
-                          <a:rPr lang="en-US" b="1" i="1"/>
+                          <a:rPr lang="en-US" b="1" i="1">
+                            <a:latin typeface="Cambria Math" panose="02040503050406030204" pitchFamily="18" charset="0"/>
+                          </a:rPr>
                           <m:t>𝑹</m:t>
                         </m:r>
                       </m:e>
                       <m:sub>
                         <m:r>
-                          <a:rPr lang="en-US" b="1" i="1"/>
+                          <a:rPr lang="en-US" b="1" i="1">
+                            <a:latin typeface="Cambria Math" panose="02040503050406030204" pitchFamily="18" charset="0"/>
+                          </a:rPr>
                           <m:t>𝒇𝒐𝒂𝒎</m:t>
                         </m:r>
                       </m:sub>
                     </m:sSub>
                     <m:r>
-                      <a:rPr lang="en-US" b="1" i="1"/>
+                      <a:rPr lang="en-US" b="1" i="1">
+                        <a:latin typeface="Cambria Math" panose="02040503050406030204" pitchFamily="18" charset="0"/>
+                      </a:rPr>
                       <m:t>= </m:t>
                     </m:r>
                     <m:f>
                       <m:fPr>
                         <m:ctrlPr>
-                          <a:rPr lang="en-US" i="1"/>
+                          <a:rPr lang="en-US" i="1">
+                            <a:latin typeface="Cambria Math" panose="02040503050406030204" pitchFamily="18" charset="0"/>
+                          </a:rPr>
                         </m:ctrlPr>
                       </m:fPr>
                       <m:num>
                         <m:sSub>
                           <m:sSubPr>
                             <m:ctrlPr>
-                              <a:rPr lang="en-US" i="1"/>
+                              <a:rPr lang="en-US" i="1">
+                                <a:latin typeface="Cambria Math" panose="02040503050406030204" pitchFamily="18" charset="0"/>
+                              </a:rPr>
                             </m:ctrlPr>
                           </m:sSubPr>
                           <m:e>
@@ -6720,7 +6776,9 @@
                               <m:rPr>
                                 <m:sty m:val="p"/>
                               </m:rPr>
-                              <a:rPr lang="en-US"/>
+                              <a:rPr lang="en-US">
+                                <a:latin typeface="Cambria Math" panose="02040503050406030204" pitchFamily="18" charset="0"/>
+                              </a:rPr>
                               <m:t>L</m:t>
                             </m:r>
                           </m:e>
@@ -6729,7 +6787,9 @@
                               <m:rPr>
                                 <m:sty m:val="p"/>
                               </m:rPr>
-                              <a:rPr lang="en-US"/>
+                              <a:rPr lang="en-US">
+                                <a:latin typeface="Cambria Math" panose="02040503050406030204" pitchFamily="18" charset="0"/>
+                              </a:rPr>
                               <m:t>foam</m:t>
                             </m:r>
                           </m:sub>
@@ -6739,7 +6799,9 @@
                         <m:sSub>
                           <m:sSubPr>
                             <m:ctrlPr>
-                              <a:rPr lang="en-US" i="1"/>
+                              <a:rPr lang="en-US" i="1">
+                                <a:latin typeface="Cambria Math" panose="02040503050406030204" pitchFamily="18" charset="0"/>
+                              </a:rPr>
                             </m:ctrlPr>
                           </m:sSubPr>
                           <m:e>
@@ -6747,7 +6809,9 @@
                               <m:rPr>
                                 <m:sty m:val="p"/>
                               </m:rPr>
-                              <a:rPr lang="en-US"/>
+                              <a:rPr lang="en-US">
+                                <a:latin typeface="Cambria Math" panose="02040503050406030204" pitchFamily="18" charset="0"/>
+                              </a:rPr>
                               <m:t>K</m:t>
                             </m:r>
                           </m:e>
@@ -6756,20 +6820,26 @@
                               <m:rPr>
                                 <m:sty m:val="p"/>
                               </m:rPr>
-                              <a:rPr lang="en-US"/>
+                              <a:rPr lang="en-US">
+                                <a:latin typeface="Cambria Math" panose="02040503050406030204" pitchFamily="18" charset="0"/>
+                              </a:rPr>
                               <m:t>foam</m:t>
                             </m:r>
                           </m:sub>
                         </m:sSub>
                         <m:r>
-                          <a:rPr lang="en-US" i="1"/>
+                          <a:rPr lang="en-US" i="1">
+                            <a:latin typeface="Cambria Math" panose="02040503050406030204" pitchFamily="18" charset="0"/>
+                          </a:rPr>
                           <m:t>∗</m:t>
                         </m:r>
                         <m:r>
                           <m:rPr>
                             <m:sty m:val="p"/>
                           </m:rPr>
-                          <a:rPr lang="en-US"/>
+                          <a:rPr lang="en-US">
+                            <a:latin typeface="Cambria Math" panose="02040503050406030204" pitchFamily="18" charset="0"/>
+                          </a:rPr>
                           <m:t>A</m:t>
                         </m:r>
                       </m:den>
@@ -6785,35 +6855,47 @@
                     <m:sSub>
                       <m:sSubPr>
                         <m:ctrlPr>
-                          <a:rPr lang="en-US" b="1" i="1"/>
+                          <a:rPr lang="en-US" b="1" i="1">
+                            <a:latin typeface="Cambria Math" panose="02040503050406030204" pitchFamily="18" charset="0"/>
+                          </a:rPr>
                         </m:ctrlPr>
                       </m:sSubPr>
                       <m:e>
                         <m:r>
-                          <a:rPr lang="en-US" b="1" i="1"/>
+                          <a:rPr lang="en-US" b="1" i="1">
+                            <a:latin typeface="Cambria Math" panose="02040503050406030204" pitchFamily="18" charset="0"/>
+                          </a:rPr>
                           <m:t>𝑹</m:t>
                         </m:r>
                       </m:e>
                       <m:sub>
                         <m:r>
-                          <a:rPr lang="en-US" b="1" i="1"/>
+                          <a:rPr lang="en-US" b="1" i="1">
+                            <a:latin typeface="Cambria Math" panose="02040503050406030204" pitchFamily="18" charset="0"/>
+                          </a:rPr>
                           <m:t>𝒐</m:t>
                         </m:r>
                       </m:sub>
                     </m:sSub>
                     <m:r>
-                      <a:rPr lang="en-US" b="1" i="1"/>
+                      <a:rPr lang="en-US" b="1" i="1">
+                        <a:latin typeface="Cambria Math" panose="02040503050406030204" pitchFamily="18" charset="0"/>
+                      </a:rPr>
                       <m:t>= </m:t>
                     </m:r>
                     <m:f>
                       <m:fPr>
                         <m:ctrlPr>
-                          <a:rPr lang="en-US" i="1"/>
+                          <a:rPr lang="en-US" i="1">
+                            <a:latin typeface="Cambria Math" panose="02040503050406030204" pitchFamily="18" charset="0"/>
+                          </a:rPr>
                         </m:ctrlPr>
                       </m:fPr>
                       <m:num>
                         <m:r>
-                          <a:rPr lang="en-US"/>
+                          <a:rPr lang="en-US">
+                            <a:latin typeface="Cambria Math" panose="02040503050406030204" pitchFamily="18" charset="0"/>
+                          </a:rPr>
                           <m:t>1</m:t>
                         </m:r>
                       </m:num>
@@ -6821,7 +6903,9 @@
                         <m:sSub>
                           <m:sSubPr>
                             <m:ctrlPr>
-                              <a:rPr lang="en-US" i="1"/>
+                              <a:rPr lang="en-US" i="1">
+                                <a:latin typeface="Cambria Math" panose="02040503050406030204" pitchFamily="18" charset="0"/>
+                              </a:rPr>
                             </m:ctrlPr>
                           </m:sSubPr>
                           <m:e>
@@ -6829,7 +6913,9 @@
                               <m:rPr>
                                 <m:sty m:val="p"/>
                               </m:rPr>
-                              <a:rPr lang="en-US"/>
+                              <a:rPr lang="en-US">
+                                <a:latin typeface="Cambria Math" panose="02040503050406030204" pitchFamily="18" charset="0"/>
+                              </a:rPr>
                               <m:t>h</m:t>
                             </m:r>
                           </m:e>
@@ -6838,20 +6924,26 @@
                               <m:rPr>
                                 <m:sty m:val="p"/>
                               </m:rPr>
-                              <a:rPr lang="en-US"/>
+                              <a:rPr lang="en-US">
+                                <a:latin typeface="Cambria Math" panose="02040503050406030204" pitchFamily="18" charset="0"/>
+                              </a:rPr>
                               <m:t>o</m:t>
                             </m:r>
                           </m:sub>
                         </m:sSub>
                         <m:r>
-                          <a:rPr lang="en-US" i="1"/>
+                          <a:rPr lang="en-US" i="1">
+                            <a:latin typeface="Cambria Math" panose="02040503050406030204" pitchFamily="18" charset="0"/>
+                          </a:rPr>
                           <m:t>∗</m:t>
                         </m:r>
                         <m:r>
                           <m:rPr>
                             <m:sty m:val="p"/>
                           </m:rPr>
-                          <a:rPr lang="en-US"/>
+                          <a:rPr lang="en-US">
+                            <a:latin typeface="Cambria Math" panose="02040503050406030204" pitchFamily="18" charset="0"/>
+                          </a:rPr>
                           <m:t>A</m:t>
                         </m:r>
                       </m:den>
@@ -7027,14 +7119,18 @@
                       <m:accPr>
                         <m:chr m:val="̇"/>
                         <m:ctrlPr>
-                          <a:rPr lang="en-US" i="1"/>
+                          <a:rPr lang="en-US" i="1">
+                            <a:latin typeface="Cambria Math" panose="02040503050406030204" pitchFamily="18" charset="0"/>
+                          </a:rPr>
                         </m:ctrlPr>
                       </m:accPr>
                       <m:e>
                         <m:sSub>
                           <m:sSubPr>
                             <m:ctrlPr>
-                              <a:rPr lang="en-US" i="1"/>
+                              <a:rPr lang="en-US" i="1">
+                                <a:latin typeface="Cambria Math" panose="02040503050406030204" pitchFamily="18" charset="0"/>
+                              </a:rPr>
                             </m:ctrlPr>
                           </m:sSubPr>
                           <m:e>
@@ -7048,7 +7144,9 @@
                               <m:rPr>
                                 <m:sty m:val="p"/>
                               </m:rPr>
-                              <a:rPr lang="en-US"/>
+                              <a:rPr lang="en-US">
+                                <a:latin typeface="Cambria Math" panose="02040503050406030204" pitchFamily="18" charset="0"/>
+                              </a:rPr>
                               <m:t>Q</m:t>
                             </m:r>
                           </m:e>
@@ -7057,7 +7155,9 @@
                               <m:rPr>
                                 <m:sty m:val="p"/>
                               </m:rPr>
-                              <a:rPr lang="en-US"/>
+                              <a:rPr lang="en-US">
+                                <a:latin typeface="Cambria Math" panose="02040503050406030204" pitchFamily="18" charset="0"/>
+                              </a:rPr>
                               <m:t>foam</m:t>
                             </m:r>
                           </m:sub>
@@ -7065,54 +7165,72 @@
                       </m:e>
                     </m:acc>
                     <m:r>
-                      <a:rPr lang="en-US"/>
+                      <a:rPr lang="en-US">
+                        <a:latin typeface="Cambria Math" panose="02040503050406030204" pitchFamily="18" charset="0"/>
+                      </a:rPr>
                       <m:t>=</m:t>
                     </m:r>
                     <m:f>
                       <m:fPr>
                         <m:ctrlPr>
-                          <a:rPr lang="en-US" b="1" i="1"/>
+                          <a:rPr lang="en-US" b="1" i="1">
+                            <a:latin typeface="Cambria Math" panose="02040503050406030204" pitchFamily="18" charset="0"/>
+                          </a:rPr>
                         </m:ctrlPr>
                       </m:fPr>
                       <m:num>
                         <m:sSub>
                           <m:sSubPr>
                             <m:ctrlPr>
-                              <a:rPr lang="en-US" b="1" i="1"/>
+                              <a:rPr lang="en-US" b="1" i="1">
+                                <a:latin typeface="Cambria Math" panose="02040503050406030204" pitchFamily="18" charset="0"/>
+                              </a:rPr>
                             </m:ctrlPr>
                           </m:sSubPr>
                           <m:e>
                             <m:r>
-                              <a:rPr lang="en-US" b="1" i="1"/>
+                              <a:rPr lang="en-US" b="1" i="1">
+                                <a:latin typeface="Cambria Math" panose="02040503050406030204" pitchFamily="18" charset="0"/>
+                              </a:rPr>
                               <m:t>𝐓</m:t>
                             </m:r>
                           </m:e>
                           <m:sub>
                             <m:r>
-                              <a:rPr lang="en-US" b="1" i="1"/>
+                              <a:rPr lang="en-US" b="1" i="1">
+                                <a:latin typeface="Cambria Math" panose="02040503050406030204" pitchFamily="18" charset="0"/>
+                              </a:rPr>
                               <m:t>𝐢</m:t>
                             </m:r>
                           </m:sub>
                         </m:sSub>
                         <m:r>
-                          <a:rPr lang="en-US" b="1" i="1"/>
+                          <a:rPr lang="en-US" b="1" i="1">
+                            <a:latin typeface="Cambria Math" panose="02040503050406030204" pitchFamily="18" charset="0"/>
+                          </a:rPr>
                           <m:t>−</m:t>
                         </m:r>
                         <m:sSub>
                           <m:sSubPr>
                             <m:ctrlPr>
-                              <a:rPr lang="en-US" b="1" i="1"/>
+                              <a:rPr lang="en-US" b="1" i="1">
+                                <a:latin typeface="Cambria Math" panose="02040503050406030204" pitchFamily="18" charset="0"/>
+                              </a:rPr>
                             </m:ctrlPr>
                           </m:sSubPr>
                           <m:e>
                             <m:r>
-                              <a:rPr lang="en-US" b="1" i="1"/>
+                              <a:rPr lang="en-US" b="1" i="1">
+                                <a:latin typeface="Cambria Math" panose="02040503050406030204" pitchFamily="18" charset="0"/>
+                              </a:rPr>
                               <m:t>𝐓</m:t>
                             </m:r>
                           </m:e>
                           <m:sub>
                             <m:r>
-                              <a:rPr lang="en-US" b="1" i="1"/>
+                              <a:rPr lang="en-US" b="1" i="1">
+                                <a:latin typeface="Cambria Math" panose="02040503050406030204" pitchFamily="18" charset="0"/>
+                              </a:rPr>
                               <m:t>𝐨</m:t>
                             </m:r>
                           </m:sub>
@@ -7122,18 +7240,24 @@
                         <m:sSub>
                           <m:sSubPr>
                             <m:ctrlPr>
-                              <a:rPr lang="en-US" i="1"/>
+                              <a:rPr lang="en-US" i="1">
+                                <a:latin typeface="Cambria Math" panose="02040503050406030204" pitchFamily="18" charset="0"/>
+                              </a:rPr>
                             </m:ctrlPr>
                           </m:sSubPr>
                           <m:e>
                             <m:r>
-                              <a:rPr lang="en-US" i="1"/>
+                              <a:rPr lang="en-US" i="1">
+                                <a:latin typeface="Cambria Math" panose="02040503050406030204" pitchFamily="18" charset="0"/>
+                              </a:rPr>
                               <m:t>𝑅</m:t>
                             </m:r>
                           </m:e>
                           <m:sub>
                             <m:r>
-                              <a:rPr lang="en-US" i="1"/>
+                              <a:rPr lang="en-US" i="1">
+                                <a:latin typeface="Cambria Math" panose="02040503050406030204" pitchFamily="18" charset="0"/>
+                              </a:rPr>
                               <m:t>𝑡𝑜𝑡𝑎𝑙</m:t>
                             </m:r>
                           </m:sub>
@@ -7163,35 +7287,47 @@
                     <m:sSub>
                       <m:sSubPr>
                         <m:ctrlPr>
-                          <a:rPr lang="en-US" b="1" i="1"/>
+                          <a:rPr lang="en-US" b="1" i="1">
+                            <a:latin typeface="Cambria Math" panose="02040503050406030204" pitchFamily="18" charset="0"/>
+                          </a:rPr>
                         </m:ctrlPr>
                       </m:sSubPr>
                       <m:e>
                         <m:r>
-                          <a:rPr lang="en-US" b="1" i="1"/>
+                          <a:rPr lang="en-US" b="1" i="1">
+                            <a:latin typeface="Cambria Math" panose="02040503050406030204" pitchFamily="18" charset="0"/>
+                          </a:rPr>
                           <m:t>𝑹</m:t>
                         </m:r>
                       </m:e>
                       <m:sub>
                         <m:r>
-                          <a:rPr lang="en-US" b="1" i="1"/>
+                          <a:rPr lang="en-US" b="1" i="1">
+                            <a:latin typeface="Cambria Math" panose="02040503050406030204" pitchFamily="18" charset="0"/>
+                          </a:rPr>
                           <m:t>𝒊</m:t>
                         </m:r>
                       </m:sub>
                     </m:sSub>
                     <m:r>
-                      <a:rPr lang="en-US" b="1" i="1"/>
+                      <a:rPr lang="en-US" b="1" i="1">
+                        <a:latin typeface="Cambria Math" panose="02040503050406030204" pitchFamily="18" charset="0"/>
+                      </a:rPr>
                       <m:t>= </m:t>
                     </m:r>
                     <m:f>
                       <m:fPr>
                         <m:ctrlPr>
-                          <a:rPr lang="en-US" i="1"/>
+                          <a:rPr lang="en-US" i="1">
+                            <a:latin typeface="Cambria Math" panose="02040503050406030204" pitchFamily="18" charset="0"/>
+                          </a:rPr>
                         </m:ctrlPr>
                       </m:fPr>
                       <m:num>
                         <m:r>
-                          <a:rPr lang="en-US"/>
+                          <a:rPr lang="en-US">
+                            <a:latin typeface="Cambria Math" panose="02040503050406030204" pitchFamily="18" charset="0"/>
+                          </a:rPr>
                           <m:t>1</m:t>
                         </m:r>
                       </m:num>
@@ -7199,7 +7335,9 @@
                         <m:sSub>
                           <m:sSubPr>
                             <m:ctrlPr>
-                              <a:rPr lang="en-US" i="1"/>
+                              <a:rPr lang="en-US" i="1">
+                                <a:latin typeface="Cambria Math" panose="02040503050406030204" pitchFamily="18" charset="0"/>
+                              </a:rPr>
                             </m:ctrlPr>
                           </m:sSubPr>
                           <m:e>
@@ -7207,7 +7345,9 @@
                               <m:rPr>
                                 <m:sty m:val="p"/>
                               </m:rPr>
-                              <a:rPr lang="en-US"/>
+                              <a:rPr lang="en-US">
+                                <a:latin typeface="Cambria Math" panose="02040503050406030204" pitchFamily="18" charset="0"/>
+                              </a:rPr>
                               <m:t>h</m:t>
                             </m:r>
                           </m:e>
@@ -7216,20 +7356,26 @@
                               <m:rPr>
                                 <m:sty m:val="p"/>
                               </m:rPr>
-                              <a:rPr lang="en-US"/>
+                              <a:rPr lang="en-US">
+                                <a:latin typeface="Cambria Math" panose="02040503050406030204" pitchFamily="18" charset="0"/>
+                              </a:rPr>
                               <m:t>i</m:t>
                             </m:r>
                           </m:sub>
                         </m:sSub>
                         <m:r>
-                          <a:rPr lang="en-US" i="1"/>
+                          <a:rPr lang="en-US" i="1">
+                            <a:latin typeface="Cambria Math" panose="02040503050406030204" pitchFamily="18" charset="0"/>
+                          </a:rPr>
                           <m:t>∗</m:t>
                         </m:r>
                         <m:r>
                           <m:rPr>
                             <m:sty m:val="p"/>
                           </m:rPr>
-                          <a:rPr lang="en-US"/>
+                          <a:rPr lang="en-US">
+                            <a:latin typeface="Cambria Math" panose="02040503050406030204" pitchFamily="18" charset="0"/>
+                          </a:rPr>
                           <m:t>A</m:t>
                         </m:r>
                       </m:den>
@@ -7245,37 +7391,49 @@
                     <m:sSub>
                       <m:sSubPr>
                         <m:ctrlPr>
-                          <a:rPr lang="en-US" b="1" i="1" smtClean="0"/>
+                          <a:rPr lang="en-US" b="1" i="1" smtClean="0">
+                            <a:latin typeface="Cambria Math" panose="02040503050406030204" pitchFamily="18" charset="0"/>
+                          </a:rPr>
                         </m:ctrlPr>
                       </m:sSubPr>
                       <m:e>
                         <m:r>
-                          <a:rPr lang="en-US" b="1" i="1"/>
+                          <a:rPr lang="en-US" b="1" i="1">
+                            <a:latin typeface="Cambria Math" panose="02040503050406030204" pitchFamily="18" charset="0"/>
+                          </a:rPr>
                           <m:t>𝑹</m:t>
                         </m:r>
                       </m:e>
                       <m:sub>
                         <m:r>
-                          <a:rPr lang="en-US" b="1" i="1"/>
+                          <a:rPr lang="en-US" b="1" i="1">
+                            <a:latin typeface="Cambria Math" panose="02040503050406030204" pitchFamily="18" charset="0"/>
+                          </a:rPr>
                           <m:t>𝒇𝒊𝒃𝒆𝒓𝒈𝒍𝒂𝒔𝒔</m:t>
                         </m:r>
                       </m:sub>
                     </m:sSub>
                     <m:r>
-                      <a:rPr lang="en-US" b="1" i="1"/>
+                      <a:rPr lang="en-US" b="1" i="1">
+                        <a:latin typeface="Cambria Math" panose="02040503050406030204" pitchFamily="18" charset="0"/>
+                      </a:rPr>
                       <m:t>= </m:t>
                     </m:r>
                     <m:f>
                       <m:fPr>
                         <m:ctrlPr>
-                          <a:rPr lang="en-US" i="1"/>
+                          <a:rPr lang="en-US" i="1">
+                            <a:latin typeface="Cambria Math" panose="02040503050406030204" pitchFamily="18" charset="0"/>
+                          </a:rPr>
                         </m:ctrlPr>
                       </m:fPr>
                       <m:num>
                         <m:sSub>
                           <m:sSubPr>
                             <m:ctrlPr>
-                              <a:rPr lang="en-US" i="1"/>
+                              <a:rPr lang="en-US" i="1">
+                                <a:latin typeface="Cambria Math" panose="02040503050406030204" pitchFamily="18" charset="0"/>
+                              </a:rPr>
                             </m:ctrlPr>
                           </m:sSubPr>
                           <m:e>
@@ -7283,13 +7441,17 @@
                               <m:rPr>
                                 <m:sty m:val="p"/>
                               </m:rPr>
-                              <a:rPr lang="en-US"/>
+                              <a:rPr lang="en-US">
+                                <a:latin typeface="Cambria Math" panose="02040503050406030204" pitchFamily="18" charset="0"/>
+                              </a:rPr>
                               <m:t>L</m:t>
                             </m:r>
                           </m:e>
                           <m:sub>
                             <m:r>
-                              <a:rPr lang="en-US" b="1" i="1"/>
+                              <a:rPr lang="en-US" b="1" i="1">
+                                <a:latin typeface="Cambria Math" panose="02040503050406030204" pitchFamily="18" charset="0"/>
+                              </a:rPr>
                               <m:t>𝐟𝐢𝐛𝐞𝐫𝐠𝐥𝐚𝐬𝐬</m:t>
                             </m:r>
                           </m:sub>
@@ -7299,7 +7461,9 @@
                         <m:sSub>
                           <m:sSubPr>
                             <m:ctrlPr>
-                              <a:rPr lang="en-US" i="1"/>
+                              <a:rPr lang="en-US" i="1">
+                                <a:latin typeface="Cambria Math" panose="02040503050406030204" pitchFamily="18" charset="0"/>
+                              </a:rPr>
                             </m:ctrlPr>
                           </m:sSubPr>
                           <m:e>
@@ -7307,26 +7471,34 @@
                               <m:rPr>
                                 <m:sty m:val="p"/>
                               </m:rPr>
-                              <a:rPr lang="en-US"/>
+                              <a:rPr lang="en-US">
+                                <a:latin typeface="Cambria Math" panose="02040503050406030204" pitchFamily="18" charset="0"/>
+                              </a:rPr>
                               <m:t>K</m:t>
                             </m:r>
                           </m:e>
                           <m:sub>
                             <m:r>
-                              <a:rPr lang="en-US" b="1" i="1"/>
+                              <a:rPr lang="en-US" b="1" i="1">
+                                <a:latin typeface="Cambria Math" panose="02040503050406030204" pitchFamily="18" charset="0"/>
+                              </a:rPr>
                               <m:t>𝐟𝐢𝐛𝐞𝐫𝐠𝐥𝐚𝐬𝐬</m:t>
                             </m:r>
                           </m:sub>
                         </m:sSub>
                         <m:r>
-                          <a:rPr lang="en-US" i="1"/>
+                          <a:rPr lang="en-US" i="1">
+                            <a:latin typeface="Cambria Math" panose="02040503050406030204" pitchFamily="18" charset="0"/>
+                          </a:rPr>
                           <m:t>∗</m:t>
                         </m:r>
                         <m:r>
                           <m:rPr>
                             <m:sty m:val="p"/>
                           </m:rPr>
-                          <a:rPr lang="en-US"/>
+                          <a:rPr lang="en-US">
+                            <a:latin typeface="Cambria Math" panose="02040503050406030204" pitchFamily="18" charset="0"/>
+                          </a:rPr>
                           <m:t>A</m:t>
                         </m:r>
                       </m:den>
@@ -7342,37 +7514,49 @@
                     <m:sSub>
                       <m:sSubPr>
                         <m:ctrlPr>
-                          <a:rPr lang="en-US" b="1" i="1"/>
+                          <a:rPr lang="en-US" b="1" i="1">
+                            <a:latin typeface="Cambria Math" panose="02040503050406030204" pitchFamily="18" charset="0"/>
+                          </a:rPr>
                         </m:ctrlPr>
                       </m:sSubPr>
                       <m:e>
                         <m:r>
-                          <a:rPr lang="en-US" b="1" i="1"/>
+                          <a:rPr lang="en-US" b="1" i="1">
+                            <a:latin typeface="Cambria Math" panose="02040503050406030204" pitchFamily="18" charset="0"/>
+                          </a:rPr>
                           <m:t>𝑹</m:t>
                         </m:r>
                       </m:e>
                       <m:sub>
                         <m:r>
-                          <a:rPr lang="en-US" b="1" i="1"/>
+                          <a:rPr lang="en-US" b="1" i="1">
+                            <a:latin typeface="Cambria Math" panose="02040503050406030204" pitchFamily="18" charset="0"/>
+                          </a:rPr>
                           <m:t>𝒘𝒐𝒐𝒅</m:t>
                         </m:r>
                       </m:sub>
                     </m:sSub>
                     <m:r>
-                      <a:rPr lang="en-US" b="1" i="1"/>
+                      <a:rPr lang="en-US" b="1" i="1">
+                        <a:latin typeface="Cambria Math" panose="02040503050406030204" pitchFamily="18" charset="0"/>
+                      </a:rPr>
                       <m:t>= </m:t>
                     </m:r>
                     <m:f>
                       <m:fPr>
                         <m:ctrlPr>
-                          <a:rPr lang="en-US" i="1"/>
+                          <a:rPr lang="en-US" i="1">
+                            <a:latin typeface="Cambria Math" panose="02040503050406030204" pitchFamily="18" charset="0"/>
+                          </a:rPr>
                         </m:ctrlPr>
                       </m:fPr>
                       <m:num>
                         <m:sSub>
                           <m:sSubPr>
                             <m:ctrlPr>
-                              <a:rPr lang="en-US" i="1"/>
+                              <a:rPr lang="en-US" i="1">
+                                <a:latin typeface="Cambria Math" panose="02040503050406030204" pitchFamily="18" charset="0"/>
+                              </a:rPr>
                             </m:ctrlPr>
                           </m:sSubPr>
                           <m:e>
@@ -7380,7 +7564,9 @@
                               <m:rPr>
                                 <m:sty m:val="p"/>
                               </m:rPr>
-                              <a:rPr lang="en-US"/>
+                              <a:rPr lang="en-US">
+                                <a:latin typeface="Cambria Math" panose="02040503050406030204" pitchFamily="18" charset="0"/>
+                              </a:rPr>
                               <m:t>L</m:t>
                             </m:r>
                           </m:e>
@@ -7389,7 +7575,9 @@
                               <m:rPr>
                                 <m:sty m:val="p"/>
                               </m:rPr>
-                              <a:rPr lang="en-US"/>
+                              <a:rPr lang="en-US">
+                                <a:latin typeface="Cambria Math" panose="02040503050406030204" pitchFamily="18" charset="0"/>
+                              </a:rPr>
                               <m:t>wood</m:t>
                             </m:r>
                           </m:sub>
@@ -7399,7 +7587,9 @@
                         <m:sSub>
                           <m:sSubPr>
                             <m:ctrlPr>
-                              <a:rPr lang="en-US" i="1"/>
+                              <a:rPr lang="en-US" i="1">
+                                <a:latin typeface="Cambria Math" panose="02040503050406030204" pitchFamily="18" charset="0"/>
+                              </a:rPr>
                             </m:ctrlPr>
                           </m:sSubPr>
                           <m:e>
@@ -7407,26 +7597,34 @@
                               <m:rPr>
                                 <m:sty m:val="p"/>
                               </m:rPr>
-                              <a:rPr lang="en-US"/>
+                              <a:rPr lang="en-US">
+                                <a:latin typeface="Cambria Math" panose="02040503050406030204" pitchFamily="18" charset="0"/>
+                              </a:rPr>
                               <m:t>K</m:t>
                             </m:r>
                           </m:e>
                           <m:sub>
                             <m:r>
-                              <a:rPr lang="en-US" b="1" i="1"/>
+                              <a:rPr lang="en-US" b="1" i="1">
+                                <a:latin typeface="Cambria Math" panose="02040503050406030204" pitchFamily="18" charset="0"/>
+                              </a:rPr>
                               <m:t>𝐰𝐨𝐨𝐝</m:t>
                             </m:r>
                           </m:sub>
                         </m:sSub>
                         <m:r>
-                          <a:rPr lang="en-US" i="1"/>
+                          <a:rPr lang="en-US" i="1">
+                            <a:latin typeface="Cambria Math" panose="02040503050406030204" pitchFamily="18" charset="0"/>
+                          </a:rPr>
                           <m:t>∗</m:t>
                         </m:r>
                         <m:r>
                           <m:rPr>
                             <m:sty m:val="p"/>
                           </m:rPr>
-                          <a:rPr lang="en-US"/>
+                          <a:rPr lang="en-US">
+                            <a:latin typeface="Cambria Math" panose="02040503050406030204" pitchFamily="18" charset="0"/>
+                          </a:rPr>
                           <m:t>A</m:t>
                         </m:r>
                       </m:den>
@@ -7440,41 +7638,55 @@
                 <a14:m>
                   <m:oMath xmlns:m="http://schemas.openxmlformats.org/officeDocument/2006/math">
                     <m:r>
-                      <a:rPr lang="en-US" b="1" i="1"/>
+                      <a:rPr lang="en-US" b="1" i="1">
+                        <a:latin typeface="Cambria Math" panose="02040503050406030204" pitchFamily="18" charset="0"/>
+                      </a:rPr>
                       <m:t> </m:t>
                     </m:r>
                     <m:sSub>
                       <m:sSubPr>
                         <m:ctrlPr>
-                          <a:rPr lang="en-US" b="1" i="1"/>
+                          <a:rPr lang="en-US" b="1" i="1">
+                            <a:latin typeface="Cambria Math" panose="02040503050406030204" pitchFamily="18" charset="0"/>
+                          </a:rPr>
                         </m:ctrlPr>
                       </m:sSubPr>
                       <m:e>
                         <m:r>
-                          <a:rPr lang="en-US" b="1" i="1"/>
+                          <a:rPr lang="en-US" b="1" i="1">
+                            <a:latin typeface="Cambria Math" panose="02040503050406030204" pitchFamily="18" charset="0"/>
+                          </a:rPr>
                           <m:t>𝑹</m:t>
                         </m:r>
                       </m:e>
                       <m:sub>
                         <m:r>
-                          <a:rPr lang="en-US" b="1" i="1"/>
+                          <a:rPr lang="en-US" b="1" i="1">
+                            <a:latin typeface="Cambria Math" panose="02040503050406030204" pitchFamily="18" charset="0"/>
+                          </a:rPr>
                           <m:t>𝒐</m:t>
                         </m:r>
                       </m:sub>
                     </m:sSub>
                     <m:r>
-                      <a:rPr lang="en-US" b="1" i="1"/>
+                      <a:rPr lang="en-US" b="1" i="1">
+                        <a:latin typeface="Cambria Math" panose="02040503050406030204" pitchFamily="18" charset="0"/>
+                      </a:rPr>
                       <m:t>= </m:t>
                     </m:r>
                     <m:f>
                       <m:fPr>
                         <m:ctrlPr>
-                          <a:rPr lang="en-US" i="1"/>
+                          <a:rPr lang="en-US" i="1">
+                            <a:latin typeface="Cambria Math" panose="02040503050406030204" pitchFamily="18" charset="0"/>
+                          </a:rPr>
                         </m:ctrlPr>
                       </m:fPr>
                       <m:num>
                         <m:r>
-                          <a:rPr lang="en-US"/>
+                          <a:rPr lang="en-US">
+                            <a:latin typeface="Cambria Math" panose="02040503050406030204" pitchFamily="18" charset="0"/>
+                          </a:rPr>
                           <m:t>1</m:t>
                         </m:r>
                       </m:num>
@@ -7482,7 +7694,9 @@
                         <m:sSub>
                           <m:sSubPr>
                             <m:ctrlPr>
-                              <a:rPr lang="en-US" i="1"/>
+                              <a:rPr lang="en-US" i="1">
+                                <a:latin typeface="Cambria Math" panose="02040503050406030204" pitchFamily="18" charset="0"/>
+                              </a:rPr>
                             </m:ctrlPr>
                           </m:sSubPr>
                           <m:e>
@@ -7490,7 +7704,9 @@
                               <m:rPr>
                                 <m:sty m:val="p"/>
                               </m:rPr>
-                              <a:rPr lang="en-US"/>
+                              <a:rPr lang="en-US">
+                                <a:latin typeface="Cambria Math" panose="02040503050406030204" pitchFamily="18" charset="0"/>
+                              </a:rPr>
                               <m:t>h</m:t>
                             </m:r>
                           </m:e>
@@ -7499,20 +7715,26 @@
                               <m:rPr>
                                 <m:sty m:val="p"/>
                               </m:rPr>
-                              <a:rPr lang="en-US"/>
+                              <a:rPr lang="en-US">
+                                <a:latin typeface="Cambria Math" panose="02040503050406030204" pitchFamily="18" charset="0"/>
+                              </a:rPr>
                               <m:t>o</m:t>
                             </m:r>
                           </m:sub>
                         </m:sSub>
                         <m:r>
-                          <a:rPr lang="en-US" i="1"/>
+                          <a:rPr lang="en-US" i="1">
+                            <a:latin typeface="Cambria Math" panose="02040503050406030204" pitchFamily="18" charset="0"/>
+                          </a:rPr>
                           <m:t>∗</m:t>
                         </m:r>
                         <m:r>
                           <m:rPr>
                             <m:sty m:val="p"/>
                           </m:rPr>
-                          <a:rPr lang="en-US"/>
+                          <a:rPr lang="en-US">
+                            <a:latin typeface="Cambria Math" panose="02040503050406030204" pitchFamily="18" charset="0"/>
+                          </a:rPr>
                           <m:t>A</m:t>
                         </m:r>
                       </m:den>
@@ -7847,7 +8069,7 @@
             </p:txBody>
           </p:sp>
         </mc:Choice>
-        <mc:Fallback>
+        <mc:Fallback xmlns="">
           <p:sp>
             <p:nvSpPr>
               <p:cNvPr id="9" name="TextBox 8">
@@ -8186,7 +8408,7 @@
           <a:p>
             <a:fld id="{04E39E95-A722-4AA7-92EC-FBA2B3BAB5E7}" type="datetime1">
               <a:rPr lang="en-US" smtClean="0"/>
-              <a:t>2/15/22</a:t>
+              <a:t>2/16/2022</a:t>
             </a:fld>
             <a:endParaRPr lang="en-US"/>
           </a:p>
